--- a/output/STORE SALES – TIME SERIES FORECASTING.pptx
+++ b/output/STORE SALES – TIME SERIES FORECASTING.pptx
@@ -1648,7 +1648,7 @@
         <a:p>
           <a:r>
             <a:rPr lang="en-CA" dirty="0"/>
-            <a:t>Check Stationary</a:t>
+            <a:t>Stationary Check</a:t>
           </a:r>
           <a:endParaRPr lang="en-US" dirty="0"/>
         </a:p>
@@ -2342,7 +2342,7 @@
           </a:pPr>
           <a:r>
             <a:rPr lang="en-CA" sz="1200" kern="1200" dirty="0"/>
-            <a:t>Check Stationary</a:t>
+            <a:t>Stationary Check</a:t>
           </a:r>
           <a:endParaRPr lang="en-US" sz="1200" kern="1200" dirty="0"/>
         </a:p>
@@ -8731,7 +8731,7 @@
           <a:p>
             <a:fld id="{5951BC97-9325-4856-BEAE-BCE9FD6E40A0}" type="datetimeFigureOut">
               <a:rPr lang="en-US" smtClean="0"/>
-              <a:t>3/29/2023</a:t>
+              <a:t>3/30/2023</a:t>
             </a:fld>
             <a:endParaRPr lang="en-US"/>
           </a:p>
@@ -9043,24 +9043,741 @@
           <a:lstStyle/>
           <a:p>
             <a:r>
-              <a:rPr lang="en-US" dirty="0"/>
-              <a:t>Patterns appear when we decompose the series and plot the data. The time-series has seasonality pattern, peaking </a:t>
+              <a:rPr lang="en-CA" dirty="0"/>
+              <a:t>Hi everyone, my name is Colin Tran. </a:t>
+            </a:r>
+          </a:p>
+          <a:p>
+            <a:r>
+              <a:rPr lang="en-CA" dirty="0"/>
+              <a:t>Today I will present the store sales-time series forecasting which is my final project</a:t>
+            </a:r>
+            <a:endParaRPr lang="en-US" dirty="0"/>
+          </a:p>
+        </p:txBody>
+      </p:sp>
+      <p:sp>
+        <p:nvSpPr>
+          <p:cNvPr id="4" name="Slide Number Placeholder 3"/>
+          <p:cNvSpPr>
+            <a:spLocks noGrp="1"/>
+          </p:cNvSpPr>
+          <p:nvPr>
+            <p:ph type="sldNum" sz="quarter" idx="5"/>
+          </p:nvPr>
+        </p:nvSpPr>
+        <p:spPr/>
+        <p:txBody>
+          <a:bodyPr/>
+          <a:lstStyle/>
+          <a:p>
+            <a:fld id="{ADFAD57B-0D95-4875-BB8D-61FE78A71C1C}" type="slidenum">
+              <a:rPr lang="en-US" smtClean="0"/>
+              <a:t>1</a:t>
+            </a:fld>
+            <a:endParaRPr lang="en-US"/>
+          </a:p>
+        </p:txBody>
+      </p:sp>
+    </p:spTree>
+    <p:extLst>
+      <p:ext uri="{BB962C8B-B14F-4D97-AF65-F5344CB8AC3E}">
+        <p14:creationId xmlns:p14="http://schemas.microsoft.com/office/powerpoint/2010/main" val="89612335"/>
+      </p:ext>
+    </p:extLst>
+  </p:cSld>
+  <p:clrMapOvr>
+    <a:masterClrMapping/>
+  </p:clrMapOvr>
+</p:notes>
+</file>
+
+<file path=ppt/notesSlides/notesSlide10.xml><?xml version="1.0" encoding="utf-8"?>
+<p:notes xmlns:a="http://schemas.openxmlformats.org/drawingml/2006/main" xmlns:r="http://schemas.openxmlformats.org/officeDocument/2006/relationships" xmlns:p="http://schemas.openxmlformats.org/presentationml/2006/main">
+  <p:cSld>
+    <p:spTree>
+      <p:nvGrpSpPr>
+        <p:cNvPr id="1" name=""/>
+        <p:cNvGrpSpPr/>
+        <p:nvPr/>
+      </p:nvGrpSpPr>
+      <p:grpSpPr>
+        <a:xfrm>
+          <a:off x="0" y="0"/>
+          <a:ext cx="0" cy="0"/>
+          <a:chOff x="0" y="0"/>
+          <a:chExt cx="0" cy="0"/>
+        </a:xfrm>
+      </p:grpSpPr>
+      <p:sp>
+        <p:nvSpPr>
+          <p:cNvPr id="2" name="Slide Image Placeholder 1"/>
+          <p:cNvSpPr>
+            <a:spLocks noGrp="1" noRot="1" noChangeAspect="1"/>
+          </p:cNvSpPr>
+          <p:nvPr>
+            <p:ph type="sldImg"/>
+          </p:nvPr>
+        </p:nvSpPr>
+        <p:spPr/>
+      </p:sp>
+      <p:sp>
+        <p:nvSpPr>
+          <p:cNvPr id="3" name="Notes Placeholder 2"/>
+          <p:cNvSpPr>
+            <a:spLocks noGrp="1"/>
+          </p:cNvSpPr>
+          <p:nvPr>
+            <p:ph type="body" idx="1"/>
+          </p:nvPr>
+        </p:nvSpPr>
+        <p:spPr/>
+        <p:txBody>
+          <a:bodyPr/>
+          <a:lstStyle/>
+          <a:p>
+            <a:r>
+              <a:rPr lang="en-CA" dirty="0"/>
+              <a:t>The graphs above shows the preprocessing pipeline for my model:</a:t>
+            </a:r>
+          </a:p>
+          <a:p>
+            <a:r>
+              <a:rPr lang="en-CA" dirty="0"/>
+              <a:t>First, I split the data into numerical and categorical data</a:t>
+            </a:r>
+          </a:p>
+          <a:p>
+            <a:r>
+              <a:rPr lang="en-CA" dirty="0"/>
+              <a:t>For the numerical data, I fill the null values with mean and standard scale</a:t>
+            </a:r>
+          </a:p>
+          <a:p>
+            <a:r>
+              <a:rPr lang="en-CA" dirty="0"/>
+              <a:t>For the categorical data, I fill the null values with mode and using </a:t>
             </a:r>
             <a:r>
-              <a:rPr lang="en-US" dirty="0" err="1"/>
-              <a:t>rightbefore</a:t>
+              <a:rPr lang="en-CA" dirty="0" err="1"/>
+              <a:t>onehot</a:t>
             </a:r>
             <a:r>
-              <a:rPr lang="en-US" dirty="0"/>
-              <a:t> year end. Sales had been trending upward </a:t>
+              <a:rPr lang="en-CA" dirty="0"/>
+              <a:t> encoder to convert data into numerical data</a:t>
+            </a:r>
+          </a:p>
+          <a:p>
+            <a:r>
+              <a:rPr lang="en-CA" dirty="0"/>
+              <a:t>After preprocessing the data, I fit the dataset to XGBOOST algorithm</a:t>
+            </a:r>
+            <a:endParaRPr lang="en-US" dirty="0"/>
+          </a:p>
+        </p:txBody>
+      </p:sp>
+      <p:sp>
+        <p:nvSpPr>
+          <p:cNvPr id="4" name="Slide Number Placeholder 3"/>
+          <p:cNvSpPr>
+            <a:spLocks noGrp="1"/>
+          </p:cNvSpPr>
+          <p:nvPr>
+            <p:ph type="sldNum" sz="quarter" idx="5"/>
+          </p:nvPr>
+        </p:nvSpPr>
+        <p:spPr/>
+        <p:txBody>
+          <a:bodyPr/>
+          <a:lstStyle/>
+          <a:p>
+            <a:fld id="{ADFAD57B-0D95-4875-BB8D-61FE78A71C1C}" type="slidenum">
+              <a:rPr lang="en-US" smtClean="0"/>
+              <a:t>14</a:t>
+            </a:fld>
+            <a:endParaRPr lang="en-US"/>
+          </a:p>
+        </p:txBody>
+      </p:sp>
+    </p:spTree>
+    <p:extLst>
+      <p:ext uri="{BB962C8B-B14F-4D97-AF65-F5344CB8AC3E}">
+        <p14:creationId xmlns:p14="http://schemas.microsoft.com/office/powerpoint/2010/main" val="1506375883"/>
+      </p:ext>
+    </p:extLst>
+  </p:cSld>
+  <p:clrMapOvr>
+    <a:masterClrMapping/>
+  </p:clrMapOvr>
+</p:notes>
+</file>
+
+<file path=ppt/notesSlides/notesSlide11.xml><?xml version="1.0" encoding="utf-8"?>
+<p:notes xmlns:a="http://schemas.openxmlformats.org/drawingml/2006/main" xmlns:r="http://schemas.openxmlformats.org/officeDocument/2006/relationships" xmlns:p="http://schemas.openxmlformats.org/presentationml/2006/main">
+  <p:cSld>
+    <p:spTree>
+      <p:nvGrpSpPr>
+        <p:cNvPr id="1" name=""/>
+        <p:cNvGrpSpPr/>
+        <p:nvPr/>
+      </p:nvGrpSpPr>
+      <p:grpSpPr>
+        <a:xfrm>
+          <a:off x="0" y="0"/>
+          <a:ext cx="0" cy="0"/>
+          <a:chOff x="0" y="0"/>
+          <a:chExt cx="0" cy="0"/>
+        </a:xfrm>
+      </p:grpSpPr>
+      <p:sp>
+        <p:nvSpPr>
+          <p:cNvPr id="2" name="Slide Image Placeholder 1"/>
+          <p:cNvSpPr>
+            <a:spLocks noGrp="1" noRot="1" noChangeAspect="1"/>
+          </p:cNvSpPr>
+          <p:nvPr>
+            <p:ph type="sldImg"/>
+          </p:nvPr>
+        </p:nvSpPr>
+        <p:spPr/>
+      </p:sp>
+      <p:sp>
+        <p:nvSpPr>
+          <p:cNvPr id="3" name="Notes Placeholder 2"/>
+          <p:cNvSpPr>
+            <a:spLocks noGrp="1"/>
+          </p:cNvSpPr>
+          <p:nvPr>
+            <p:ph type="body" idx="1"/>
+          </p:nvPr>
+        </p:nvSpPr>
+        <p:spPr/>
+        <p:txBody>
+          <a:bodyPr/>
+          <a:lstStyle/>
+          <a:p>
+            <a:endParaRPr lang="en-US" dirty="0"/>
+          </a:p>
+        </p:txBody>
+      </p:sp>
+      <p:sp>
+        <p:nvSpPr>
+          <p:cNvPr id="4" name="Slide Number Placeholder 3"/>
+          <p:cNvSpPr>
+            <a:spLocks noGrp="1"/>
+          </p:cNvSpPr>
+          <p:nvPr>
+            <p:ph type="sldNum" sz="quarter" idx="5"/>
+          </p:nvPr>
+        </p:nvSpPr>
+        <p:spPr/>
+        <p:txBody>
+          <a:bodyPr/>
+          <a:lstStyle/>
+          <a:p>
+            <a:fld id="{ADFAD57B-0D95-4875-BB8D-61FE78A71C1C}" type="slidenum">
+              <a:rPr lang="en-US" smtClean="0"/>
+              <a:t>15</a:t>
+            </a:fld>
+            <a:endParaRPr lang="en-US"/>
+          </a:p>
+        </p:txBody>
+      </p:sp>
+    </p:spTree>
+    <p:extLst>
+      <p:ext uri="{BB962C8B-B14F-4D97-AF65-F5344CB8AC3E}">
+        <p14:creationId xmlns:p14="http://schemas.microsoft.com/office/powerpoint/2010/main" val="4118463410"/>
+      </p:ext>
+    </p:extLst>
+  </p:cSld>
+  <p:clrMapOvr>
+    <a:masterClrMapping/>
+  </p:clrMapOvr>
+</p:notes>
+</file>
+
+<file path=ppt/notesSlides/notesSlide2.xml><?xml version="1.0" encoding="utf-8"?>
+<p:notes xmlns:a="http://schemas.openxmlformats.org/drawingml/2006/main" xmlns:r="http://schemas.openxmlformats.org/officeDocument/2006/relationships" xmlns:p="http://schemas.openxmlformats.org/presentationml/2006/main">
+  <p:cSld>
+    <p:spTree>
+      <p:nvGrpSpPr>
+        <p:cNvPr id="1" name=""/>
+        <p:cNvGrpSpPr/>
+        <p:nvPr/>
+      </p:nvGrpSpPr>
+      <p:grpSpPr>
+        <a:xfrm>
+          <a:off x="0" y="0"/>
+          <a:ext cx="0" cy="0"/>
+          <a:chOff x="0" y="0"/>
+          <a:chExt cx="0" cy="0"/>
+        </a:xfrm>
+      </p:grpSpPr>
+      <p:sp>
+        <p:nvSpPr>
+          <p:cNvPr id="2" name="Slide Image Placeholder 1"/>
+          <p:cNvSpPr>
+            <a:spLocks noGrp="1" noRot="1" noChangeAspect="1"/>
+          </p:cNvSpPr>
+          <p:nvPr>
+            <p:ph type="sldImg"/>
+          </p:nvPr>
+        </p:nvSpPr>
+        <p:spPr/>
+      </p:sp>
+      <p:sp>
+        <p:nvSpPr>
+          <p:cNvPr id="3" name="Notes Placeholder 2"/>
+          <p:cNvSpPr>
+            <a:spLocks noGrp="1"/>
+          </p:cNvSpPr>
+          <p:nvPr>
+            <p:ph type="body" idx="1"/>
+          </p:nvPr>
+        </p:nvSpPr>
+        <p:spPr/>
+        <p:txBody>
+          <a:bodyPr/>
+          <a:lstStyle/>
+          <a:p>
+            <a:r>
+              <a:rPr lang="en-CA" dirty="0"/>
+              <a:t>For the today presentation</a:t>
+            </a:r>
+          </a:p>
+          <a:p>
+            <a:r>
+              <a:rPr lang="en-CA" dirty="0"/>
+              <a:t>First, I would like to mention the project summary</a:t>
+            </a:r>
+          </a:p>
+          <a:p>
+            <a:r>
+              <a:rPr lang="en-CA" dirty="0"/>
+              <a:t>Next, is the Exploratory Data Analysis</a:t>
+            </a:r>
+          </a:p>
+          <a:p>
+            <a:r>
+              <a:rPr lang="en-CA" dirty="0"/>
+              <a:t>After that, I will present about the time series forecasting</a:t>
+            </a:r>
+          </a:p>
+          <a:p>
+            <a:r>
+              <a:rPr lang="en-CA" dirty="0"/>
+              <a:t>And finally, I will talk about sales prediction using XGBOOST</a:t>
+            </a:r>
+            <a:endParaRPr lang="en-US" dirty="0"/>
+          </a:p>
+        </p:txBody>
+      </p:sp>
+      <p:sp>
+        <p:nvSpPr>
+          <p:cNvPr id="4" name="Slide Number Placeholder 3"/>
+          <p:cNvSpPr>
+            <a:spLocks noGrp="1"/>
+          </p:cNvSpPr>
+          <p:nvPr>
+            <p:ph type="sldNum" sz="quarter" idx="5"/>
+          </p:nvPr>
+        </p:nvSpPr>
+        <p:spPr/>
+        <p:txBody>
+          <a:bodyPr/>
+          <a:lstStyle/>
+          <a:p>
+            <a:fld id="{ADFAD57B-0D95-4875-BB8D-61FE78A71C1C}" type="slidenum">
+              <a:rPr lang="en-US" smtClean="0"/>
+              <a:t>2</a:t>
+            </a:fld>
+            <a:endParaRPr lang="en-US"/>
+          </a:p>
+        </p:txBody>
+      </p:sp>
+    </p:spTree>
+    <p:extLst>
+      <p:ext uri="{BB962C8B-B14F-4D97-AF65-F5344CB8AC3E}">
+        <p14:creationId xmlns:p14="http://schemas.microsoft.com/office/powerpoint/2010/main" val="1342628598"/>
+      </p:ext>
+    </p:extLst>
+  </p:cSld>
+  <p:clrMapOvr>
+    <a:masterClrMapping/>
+  </p:clrMapOvr>
+</p:notes>
+</file>
+
+<file path=ppt/notesSlides/notesSlide3.xml><?xml version="1.0" encoding="utf-8"?>
+<p:notes xmlns:a="http://schemas.openxmlformats.org/drawingml/2006/main" xmlns:r="http://schemas.openxmlformats.org/officeDocument/2006/relationships" xmlns:p="http://schemas.openxmlformats.org/presentationml/2006/main">
+  <p:cSld>
+    <p:spTree>
+      <p:nvGrpSpPr>
+        <p:cNvPr id="1" name=""/>
+        <p:cNvGrpSpPr/>
+        <p:nvPr/>
+      </p:nvGrpSpPr>
+      <p:grpSpPr>
+        <a:xfrm>
+          <a:off x="0" y="0"/>
+          <a:ext cx="0" cy="0"/>
+          <a:chOff x="0" y="0"/>
+          <a:chExt cx="0" cy="0"/>
+        </a:xfrm>
+      </p:grpSpPr>
+      <p:sp>
+        <p:nvSpPr>
+          <p:cNvPr id="2" name="Slide Image Placeholder 1"/>
+          <p:cNvSpPr>
+            <a:spLocks noGrp="1" noRot="1" noChangeAspect="1"/>
+          </p:cNvSpPr>
+          <p:nvPr>
+            <p:ph type="sldImg"/>
+          </p:nvPr>
+        </p:nvSpPr>
+        <p:spPr/>
+      </p:sp>
+      <p:sp>
+        <p:nvSpPr>
+          <p:cNvPr id="3" name="Notes Placeholder 2"/>
+          <p:cNvSpPr>
+            <a:spLocks noGrp="1"/>
+          </p:cNvSpPr>
+          <p:nvPr>
+            <p:ph type="body" idx="1"/>
+          </p:nvPr>
+        </p:nvSpPr>
+        <p:spPr/>
+        <p:txBody>
+          <a:bodyPr/>
+          <a:lstStyle/>
+          <a:p>
+            <a:r>
+              <a:rPr lang="en-CA" dirty="0"/>
+              <a:t>In summary, the dataset is about the sales of 54 different stores in Ecuador with 33 different product family in 16 states in 56 months which are from 2013-2017</a:t>
+            </a:r>
+            <a:endParaRPr lang="en-US" dirty="0"/>
+          </a:p>
+        </p:txBody>
+      </p:sp>
+      <p:sp>
+        <p:nvSpPr>
+          <p:cNvPr id="4" name="Slide Number Placeholder 3"/>
+          <p:cNvSpPr>
+            <a:spLocks noGrp="1"/>
+          </p:cNvSpPr>
+          <p:nvPr>
+            <p:ph type="sldNum" sz="quarter" idx="5"/>
+          </p:nvPr>
+        </p:nvSpPr>
+        <p:spPr/>
+        <p:txBody>
+          <a:bodyPr/>
+          <a:lstStyle/>
+          <a:p>
+            <a:fld id="{ADFAD57B-0D95-4875-BB8D-61FE78A71C1C}" type="slidenum">
+              <a:rPr lang="en-US" smtClean="0"/>
+              <a:t>3</a:t>
+            </a:fld>
+            <a:endParaRPr lang="en-US"/>
+          </a:p>
+        </p:txBody>
+      </p:sp>
+    </p:spTree>
+    <p:extLst>
+      <p:ext uri="{BB962C8B-B14F-4D97-AF65-F5344CB8AC3E}">
+        <p14:creationId xmlns:p14="http://schemas.microsoft.com/office/powerpoint/2010/main" val="251105413"/>
+      </p:ext>
+    </p:extLst>
+  </p:cSld>
+  <p:clrMapOvr>
+    <a:masterClrMapping/>
+  </p:clrMapOvr>
+</p:notes>
+</file>
+
+<file path=ppt/notesSlides/notesSlide4.xml><?xml version="1.0" encoding="utf-8"?>
+<p:notes xmlns:a="http://schemas.openxmlformats.org/drawingml/2006/main" xmlns:r="http://schemas.openxmlformats.org/officeDocument/2006/relationships" xmlns:p="http://schemas.openxmlformats.org/presentationml/2006/main">
+  <p:cSld>
+    <p:spTree>
+      <p:nvGrpSpPr>
+        <p:cNvPr id="1" name=""/>
+        <p:cNvGrpSpPr/>
+        <p:nvPr/>
+      </p:nvGrpSpPr>
+      <p:grpSpPr>
+        <a:xfrm>
+          <a:off x="0" y="0"/>
+          <a:ext cx="0" cy="0"/>
+          <a:chOff x="0" y="0"/>
+          <a:chExt cx="0" cy="0"/>
+        </a:xfrm>
+      </p:grpSpPr>
+      <p:sp>
+        <p:nvSpPr>
+          <p:cNvPr id="2" name="Slide Image Placeholder 1"/>
+          <p:cNvSpPr>
+            <a:spLocks noGrp="1" noRot="1" noChangeAspect="1"/>
+          </p:cNvSpPr>
+          <p:nvPr>
+            <p:ph type="sldImg"/>
+          </p:nvPr>
+        </p:nvSpPr>
+        <p:spPr/>
+      </p:sp>
+      <p:sp>
+        <p:nvSpPr>
+          <p:cNvPr id="3" name="Notes Placeholder 2"/>
+          <p:cNvSpPr>
+            <a:spLocks noGrp="1"/>
+          </p:cNvSpPr>
+          <p:nvPr>
+            <p:ph type="body" idx="1"/>
+          </p:nvPr>
+        </p:nvSpPr>
+        <p:spPr/>
+        <p:txBody>
+          <a:bodyPr/>
+          <a:lstStyle/>
+          <a:p>
+            <a:pPr marL="0" marR="0" lvl="0" indent="0" algn="l" defTabSz="914400" rtl="0" eaLnBrk="1" fontAlgn="auto" latinLnBrk="0" hangingPunct="1">
+              <a:lnSpc>
+                <a:spcPct val="100000"/>
+              </a:lnSpc>
+              <a:spcBef>
+                <a:spcPts val="0"/>
+              </a:spcBef>
+              <a:spcAft>
+                <a:spcPts val="0"/>
+              </a:spcAft>
+              <a:buClrTx/>
+              <a:buSzTx/>
+              <a:buFontTx/>
+              <a:buNone/>
+              <a:tabLst/>
+              <a:defRPr/>
+            </a:pPr>
+            <a:r>
+              <a:rPr lang="en-CA" dirty="0"/>
+              <a:t>As we can see from the graph above,  the </a:t>
             </a:r>
             <a:r>
-              <a:rPr lang="en-US" dirty="0" err="1"/>
-              <a:t>troughout</a:t>
+              <a:rPr lang="en-US" b="0" dirty="0">
+                <a:solidFill>
+                  <a:schemeClr val="bg1"/>
+                </a:solidFill>
+                <a:effectLst/>
+                <a:latin typeface="Consolas" panose="020B0609020204030204" pitchFamily="49" charset="0"/>
+              </a:rPr>
+              <a:t>highest sales are made by grocery and beverage products and store A has the highest sales which is 38% </a:t>
+            </a:r>
+          </a:p>
+          <a:p>
+            <a:endParaRPr lang="en-US" dirty="0"/>
+          </a:p>
+        </p:txBody>
+      </p:sp>
+      <p:sp>
+        <p:nvSpPr>
+          <p:cNvPr id="4" name="Slide Number Placeholder 3"/>
+          <p:cNvSpPr>
+            <a:spLocks noGrp="1"/>
+          </p:cNvSpPr>
+          <p:nvPr>
+            <p:ph type="sldNum" sz="quarter" idx="5"/>
+          </p:nvPr>
+        </p:nvSpPr>
+        <p:spPr/>
+        <p:txBody>
+          <a:bodyPr/>
+          <a:lstStyle/>
+          <a:p>
+            <a:fld id="{ADFAD57B-0D95-4875-BB8D-61FE78A71C1C}" type="slidenum">
+              <a:rPr lang="en-US" smtClean="0"/>
+              <a:t>4</a:t>
+            </a:fld>
+            <a:endParaRPr lang="en-US"/>
+          </a:p>
+        </p:txBody>
+      </p:sp>
+    </p:spTree>
+    <p:extLst>
+      <p:ext uri="{BB962C8B-B14F-4D97-AF65-F5344CB8AC3E}">
+        <p14:creationId xmlns:p14="http://schemas.microsoft.com/office/powerpoint/2010/main" val="68751010"/>
+      </p:ext>
+    </p:extLst>
+  </p:cSld>
+  <p:clrMapOvr>
+    <a:masterClrMapping/>
+  </p:clrMapOvr>
+</p:notes>
+</file>
+
+<file path=ppt/notesSlides/notesSlide5.xml><?xml version="1.0" encoding="utf-8"?>
+<p:notes xmlns:a="http://schemas.openxmlformats.org/drawingml/2006/main" xmlns:r="http://schemas.openxmlformats.org/officeDocument/2006/relationships" xmlns:p="http://schemas.openxmlformats.org/presentationml/2006/main">
+  <p:cSld>
+    <p:spTree>
+      <p:nvGrpSpPr>
+        <p:cNvPr id="1" name=""/>
+        <p:cNvGrpSpPr/>
+        <p:nvPr/>
+      </p:nvGrpSpPr>
+      <p:grpSpPr>
+        <a:xfrm>
+          <a:off x="0" y="0"/>
+          <a:ext cx="0" cy="0"/>
+          <a:chOff x="0" y="0"/>
+          <a:chExt cx="0" cy="0"/>
+        </a:xfrm>
+      </p:grpSpPr>
+      <p:sp>
+        <p:nvSpPr>
+          <p:cNvPr id="2" name="Slide Image Placeholder 1"/>
+          <p:cNvSpPr>
+            <a:spLocks noGrp="1" noRot="1" noChangeAspect="1"/>
+          </p:cNvSpPr>
+          <p:nvPr>
+            <p:ph type="sldImg"/>
+          </p:nvPr>
+        </p:nvSpPr>
+        <p:spPr/>
+      </p:sp>
+      <p:sp>
+        <p:nvSpPr>
+          <p:cNvPr id="3" name="Notes Placeholder 2"/>
+          <p:cNvSpPr>
+            <a:spLocks noGrp="1"/>
+          </p:cNvSpPr>
+          <p:nvPr>
+            <p:ph type="body" idx="1"/>
+          </p:nvPr>
+        </p:nvSpPr>
+        <p:spPr/>
+        <p:txBody>
+          <a:bodyPr/>
+          <a:lstStyle/>
+          <a:p>
+            <a:r>
+              <a:rPr lang="en-US" dirty="0"/>
+              <a:t>Ecuador is an oil-dependent country and it's economical health is highly vulnerable to shocks in oil prices. Furthermore, we can see that there is a negative correlation between oil price and store sales which </a:t>
             </a:r>
             <a:r>
+              <a:rPr lang="en-US" b="0" i="0" dirty="0">
+                <a:solidFill>
+                  <a:srgbClr val="0D405F"/>
+                </a:solidFill>
+                <a:effectLst/>
+                <a:latin typeface="Inter"/>
+              </a:rPr>
+              <a:t>When oil price changes, the sales changes in the </a:t>
+            </a:r>
+            <a:r>
+              <a:rPr lang="en-US" b="1" i="0" dirty="0">
+                <a:solidFill>
+                  <a:srgbClr val="0D405F"/>
+                </a:solidFill>
+                <a:effectLst/>
+                <a:latin typeface="Inter"/>
+              </a:rPr>
+              <a:t>opposite direction</a:t>
+            </a:r>
+            <a:r>
+              <a:rPr lang="en-US" b="0" i="0" dirty="0">
+                <a:solidFill>
+                  <a:srgbClr val="0D405F"/>
+                </a:solidFill>
+                <a:effectLst/>
+                <a:latin typeface="Inter"/>
+              </a:rPr>
+              <a:t>.</a:t>
+            </a:r>
+            <a:endParaRPr lang="en-US" dirty="0"/>
+          </a:p>
+        </p:txBody>
+      </p:sp>
+      <p:sp>
+        <p:nvSpPr>
+          <p:cNvPr id="4" name="Slide Number Placeholder 3"/>
+          <p:cNvSpPr>
+            <a:spLocks noGrp="1"/>
+          </p:cNvSpPr>
+          <p:nvPr>
+            <p:ph type="sldNum" sz="quarter" idx="5"/>
+          </p:nvPr>
+        </p:nvSpPr>
+        <p:spPr/>
+        <p:txBody>
+          <a:bodyPr/>
+          <a:lstStyle/>
+          <a:p>
+            <a:fld id="{ADFAD57B-0D95-4875-BB8D-61FE78A71C1C}" type="slidenum">
+              <a:rPr lang="en-US" smtClean="0"/>
+              <a:t>6</a:t>
+            </a:fld>
+            <a:endParaRPr lang="en-US"/>
+          </a:p>
+        </p:txBody>
+      </p:sp>
+    </p:spTree>
+    <p:extLst>
+      <p:ext uri="{BB962C8B-B14F-4D97-AF65-F5344CB8AC3E}">
+        <p14:creationId xmlns:p14="http://schemas.microsoft.com/office/powerpoint/2010/main" val="2424982914"/>
+      </p:ext>
+    </p:extLst>
+  </p:cSld>
+  <p:clrMapOvr>
+    <a:masterClrMapping/>
+  </p:clrMapOvr>
+</p:notes>
+</file>
+
+<file path=ppt/notesSlides/notesSlide6.xml><?xml version="1.0" encoding="utf-8"?>
+<p:notes xmlns:a="http://schemas.openxmlformats.org/drawingml/2006/main" xmlns:r="http://schemas.openxmlformats.org/officeDocument/2006/relationships" xmlns:p="http://schemas.openxmlformats.org/presentationml/2006/main">
+  <p:cSld>
+    <p:spTree>
+      <p:nvGrpSpPr>
+        <p:cNvPr id="1" name=""/>
+        <p:cNvGrpSpPr/>
+        <p:nvPr/>
+      </p:nvGrpSpPr>
+      <p:grpSpPr>
+        <a:xfrm>
+          <a:off x="0" y="0"/>
+          <a:ext cx="0" cy="0"/>
+          <a:chOff x="0" y="0"/>
+          <a:chExt cx="0" cy="0"/>
+        </a:xfrm>
+      </p:grpSpPr>
+      <p:sp>
+        <p:nvSpPr>
+          <p:cNvPr id="2" name="Slide Image Placeholder 1"/>
+          <p:cNvSpPr>
+            <a:spLocks noGrp="1" noRot="1" noChangeAspect="1"/>
+          </p:cNvSpPr>
+          <p:nvPr>
+            <p:ph type="sldImg"/>
+          </p:nvPr>
+        </p:nvSpPr>
+        <p:spPr/>
+      </p:sp>
+      <p:sp>
+        <p:nvSpPr>
+          <p:cNvPr id="3" name="Notes Placeholder 2"/>
+          <p:cNvSpPr>
+            <a:spLocks noGrp="1"/>
+          </p:cNvSpPr>
+          <p:nvPr>
+            <p:ph type="body" idx="1"/>
+          </p:nvPr>
+        </p:nvSpPr>
+        <p:spPr/>
+        <p:txBody>
+          <a:bodyPr/>
+          <a:lstStyle/>
+          <a:p>
+            <a:r>
               <a:rPr lang="en-US" dirty="0"/>
-              <a:t> the year.</a:t>
+              <a:t>Patterns appear when we decompose the series and plot the data. The time-series has seasonality pattern, peaking right before year end. Sales had been trending upward throughout the year.</a:t>
             </a:r>
           </a:p>
         </p:txBody>
@@ -9101,7 +9818,7 @@
 </p:notes>
 </file>
 
-<file path=ppt/notesSlides/notesSlide2.xml><?xml version="1.0" encoding="utf-8"?>
+<file path=ppt/notesSlides/notesSlide7.xml><?xml version="1.0" encoding="utf-8"?>
 <p:notes xmlns:a="http://schemas.openxmlformats.org/drawingml/2006/main" xmlns:r="http://schemas.openxmlformats.org/officeDocument/2006/relationships" xmlns:p="http://schemas.openxmlformats.org/presentationml/2006/main">
   <p:cSld>
     <p:spTree>
@@ -9245,7 +9962,7 @@
 </p:notes>
 </file>
 
-<file path=ppt/notesSlides/notesSlide3.xml><?xml version="1.0" encoding="utf-8"?>
+<file path=ppt/notesSlides/notesSlide8.xml><?xml version="1.0" encoding="utf-8"?>
 <p:notes xmlns:a="http://schemas.openxmlformats.org/drawingml/2006/main" xmlns:r="http://schemas.openxmlformats.org/officeDocument/2006/relationships" xmlns:p="http://schemas.openxmlformats.org/presentationml/2006/main">
   <p:cSld>
     <p:spTree>
@@ -9294,7 +10011,7 @@
                 <a:effectLst/>
                 <a:latin typeface="Inter"/>
               </a:rPr>
-              <a:t>To understand the accuracy of the forecast, predicted sales are compared to actual sales data. In the image below, forecast date is to start on 01-1-2017 to the end of the data. Based on the image below, forecast prediction looks acceptable as it follows the actual data closely.</a:t>
+              <a:t>To understand the accuracy of the forecast, the predicted sales are compared to actual sales data. From the graph above, forecast date is to start on 01-01-2017 to the end of the data. We can see that forecast prediction looks acceptable as it follows the actual data closely.</a:t>
             </a:r>
             <a:endParaRPr lang="en-US" dirty="0"/>
           </a:p>
@@ -9336,7 +10053,7 @@
 </p:notes>
 </file>
 
-<file path=ppt/notesSlides/notesSlide4.xml><?xml version="1.0" encoding="utf-8"?>
+<file path=ppt/notesSlides/notesSlide9.xml><?xml version="1.0" encoding="utf-8"?>
 <p:notes xmlns:a="http://schemas.openxmlformats.org/drawingml/2006/main" xmlns:r="http://schemas.openxmlformats.org/officeDocument/2006/relationships" xmlns:p="http://schemas.openxmlformats.org/presentationml/2006/main">
   <p:cSld>
     <p:spTree>
@@ -9386,7 +10103,7 @@
                 <a:effectLst/>
                 <a:latin typeface="Inter"/>
               </a:rPr>
-              <a:t>Based on image above, forecast looks acceptable as it follows seasonality of a upward trend in sales shortly before year end similar to previous years.</a:t>
+              <a:t>For time-series forecasting, I’m using 3 different forecasting approach which are 1 step ahead forecast, dynamic forecast and truth forecast. Forecast looks acceptable as it follows seasonality of an upward trend in sales shortly before year end similar to previous years.</a:t>
             </a:r>
           </a:p>
           <a:p>
@@ -9690,7 +10407,7 @@
           <a:p>
             <a:fld id="{9184DA70-C731-4C70-880D-CCD4705E623C}" type="datetime1">
               <a:rPr lang="en-US" smtClean="0"/>
-              <a:t>3/29/2023</a:t>
+              <a:t>3/30/2023</a:t>
             </a:fld>
             <a:endParaRPr lang="en-US" dirty="0"/>
           </a:p>
@@ -9878,7 +10595,7 @@
           <a:p>
             <a:fld id="{B612A279-0833-481D-8C56-F67FD0AC6C50}" type="datetime1">
               <a:rPr lang="en-US" smtClean="0"/>
-              <a:t>3/29/2023</a:t>
+              <a:t>3/30/2023</a:t>
             </a:fld>
             <a:endParaRPr lang="en-US" dirty="0"/>
           </a:p>
@@ -10120,7 +10837,7 @@
           <a:p>
             <a:fld id="{6587DA83-5663-4C9C-B9AA-0B40A3DAFF81}" type="datetime1">
               <a:rPr lang="en-US" smtClean="0"/>
-              <a:t>3/29/2023</a:t>
+              <a:t>3/30/2023</a:t>
             </a:fld>
             <a:endParaRPr lang="en-US" dirty="0"/>
           </a:p>
@@ -10308,7 +11025,7 @@
           <a:p>
             <a:fld id="{4BE1D723-8F53-4F53-90B0-1982A396982E}" type="datetime1">
               <a:rPr lang="en-US" smtClean="0"/>
-              <a:t>3/29/2023</a:t>
+              <a:t>3/30/2023</a:t>
             </a:fld>
             <a:endParaRPr lang="en-US" dirty="0"/>
           </a:p>
@@ -10681,7 +11398,7 @@
           <a:p>
             <a:fld id="{97669AF7-7BEB-44E4-9852-375E34362B5B}" type="datetime1">
               <a:rPr lang="en-US" smtClean="0"/>
-              <a:t>3/29/2023</a:t>
+              <a:t>3/30/2023</a:t>
             </a:fld>
             <a:endParaRPr lang="en-US" dirty="0"/>
           </a:p>
@@ -10936,7 +11653,7 @@
           <a:p>
             <a:fld id="{BAAAC38D-0552-4C82-B593-E6124DFADBE2}" type="datetime1">
               <a:rPr lang="en-US" smtClean="0"/>
-              <a:t>3/29/2023</a:t>
+              <a:t>3/30/2023</a:t>
             </a:fld>
             <a:endParaRPr lang="en-US" dirty="0"/>
           </a:p>
@@ -11333,7 +12050,7 @@
           <a:p>
             <a:fld id="{D9DF0F1C-5577-4ACB-BB62-DF8F3C494C7E}" type="datetime1">
               <a:rPr lang="en-US" smtClean="0"/>
-              <a:t>3/29/2023</a:t>
+              <a:t>3/30/2023</a:t>
             </a:fld>
             <a:endParaRPr lang="en-US" dirty="0"/>
           </a:p>
@@ -11469,7 +12186,7 @@
           <a:p>
             <a:fld id="{1775B394-D9F9-4F0C-B15D-605F45CB9E9F}" type="datetime1">
               <a:rPr lang="en-US" smtClean="0"/>
-              <a:t>3/29/2023</a:t>
+              <a:t>3/30/2023</a:t>
             </a:fld>
             <a:endParaRPr lang="en-US" dirty="0"/>
           </a:p>
@@ -11626,7 +12343,7 @@
           <a:p>
             <a:fld id="{39667345-2558-425A-8533-9BFDBCE15005}" type="datetime1">
               <a:rPr lang="en-US" smtClean="0"/>
-              <a:t>3/29/2023</a:t>
+              <a:t>3/30/2023</a:t>
             </a:fld>
             <a:endParaRPr lang="en-US" dirty="0"/>
           </a:p>
@@ -11955,7 +12672,7 @@
           <a:p>
             <a:fld id="{92BEA474-078D-4E9B-9B14-09A87B19DC46}" type="datetime1">
               <a:rPr lang="en-US" smtClean="0"/>
-              <a:t>3/29/2023</a:t>
+              <a:t>3/30/2023</a:t>
             </a:fld>
             <a:endParaRPr lang="en-US" dirty="0"/>
           </a:p>
@@ -12305,7 +13022,7 @@
           <a:p>
             <a:fld id="{4907D986-8816-4272-A432-0437A28A9828}" type="datetime1">
               <a:rPr lang="en-US" smtClean="0"/>
-              <a:t>3/29/2023</a:t>
+              <a:t>3/30/2023</a:t>
             </a:fld>
             <a:endParaRPr lang="en-US" dirty="0"/>
           </a:p>
@@ -12566,7 +13283,7 @@
           <a:p>
             <a:fld id="{62D6E202-B606-4609-B914-27C9371A1F6D}" type="datetime1">
               <a:rPr lang="en-US" smtClean="0"/>
-              <a:t>3/29/2023</a:t>
+              <a:t>3/30/2023</a:t>
             </a:fld>
             <a:endParaRPr lang="en-US" dirty="0"/>
           </a:p>
@@ -13307,7 +14024,7 @@
           <p:nvPr/>
         </p:nvPicPr>
         <p:blipFill rotWithShape="1">
-          <a:blip r:embed="rId2"/>
+          <a:blip r:embed="rId3"/>
           <a:srcRect l="26172" r="2" b="2"/>
           <a:stretch/>
         </p:blipFill>
@@ -13852,82 +14569,6 @@
           </a:p>
         </p:txBody>
       </p:sp>
-      <p:sp>
-        <p:nvSpPr>
-          <p:cNvPr id="2" name="Title 1">
-            <a:extLst>
-              <a:ext uri="{FF2B5EF4-FFF2-40B4-BE49-F238E27FC236}">
-                <a16:creationId xmlns:a16="http://schemas.microsoft.com/office/drawing/2014/main" id="{D75D2D94-11CC-6FF8-DA6A-184B2626F83F}"/>
-              </a:ext>
-            </a:extLst>
-          </p:cNvPr>
-          <p:cNvSpPr>
-            <a:spLocks noGrp="1"/>
-          </p:cNvSpPr>
-          <p:nvPr>
-            <p:ph type="title"/>
-          </p:nvPr>
-        </p:nvSpPr>
-        <p:spPr>
-          <a:xfrm>
-            <a:off x="633999" y="4550230"/>
-            <a:ext cx="10909073" cy="957902"/>
-          </a:xfrm>
-        </p:spPr>
-        <p:txBody>
-          <a:bodyPr vert="horz" lIns="91440" tIns="45720" rIns="91440" bIns="45720" rtlCol="0" anchor="b">
-            <a:normAutofit/>
-          </a:bodyPr>
-          <a:lstStyle/>
-          <a:p>
-            <a:endParaRPr lang="en-US" sz="6000" dirty="0">
-              <a:solidFill>
-                <a:schemeClr val="tx1">
-                  <a:lumMod val="85000"/>
-                  <a:lumOff val="15000"/>
-                </a:schemeClr>
-              </a:solidFill>
-            </a:endParaRPr>
-          </a:p>
-        </p:txBody>
-      </p:sp>
-      <p:pic>
-        <p:nvPicPr>
-          <p:cNvPr id="5" name="Content Placeholder 4" descr="Chart, line chart&#10;&#10;Description automatically generated">
-            <a:extLst>
-              <a:ext uri="{FF2B5EF4-FFF2-40B4-BE49-F238E27FC236}">
-                <a16:creationId xmlns:a16="http://schemas.microsoft.com/office/drawing/2014/main" id="{D824C101-62D8-3FD2-B8C0-D6E1C7996380}"/>
-              </a:ext>
-            </a:extLst>
-          </p:cNvPr>
-          <p:cNvPicPr>
-            <a:picLocks noGrp="1" noChangeAspect="1"/>
-          </p:cNvPicPr>
-          <p:nvPr>
-            <p:ph idx="1"/>
-          </p:nvPr>
-        </p:nvPicPr>
-        <p:blipFill rotWithShape="1">
-          <a:blip r:embed="rId3">
-            <a:extLst>
-              <a:ext uri="{28A0092B-C50C-407E-A947-70E740481C1C}">
-                <a14:useLocalDpi xmlns:a14="http://schemas.microsoft.com/office/drawing/2010/main" val="0"/>
-              </a:ext>
-            </a:extLst>
-          </a:blip>
-          <a:srcRect t="12748" r="-1" b="21246"/>
-          <a:stretch/>
-        </p:blipFill>
-        <p:spPr>
-          <a:xfrm>
-            <a:off x="263877" y="394599"/>
-            <a:ext cx="11664246" cy="3849525"/>
-          </a:xfrm>
-          <a:prstGeom prst="rect">
-            <a:avLst/>
-          </a:prstGeom>
-        </p:spPr>
-      </p:pic>
       <p:cxnSp>
         <p:nvCxnSpPr>
           <p:cNvPr id="29" name="!!Straight Connector">
@@ -14037,6 +14678,106 @@
             <a:schemeClr val="lt1"/>
           </a:fontRef>
         </p:style>
+      </p:sp>
+      <p:pic>
+        <p:nvPicPr>
+          <p:cNvPr id="11" name="Picture 10" descr="Chart, line chart&#10;&#10;Description automatically generated">
+            <a:extLst>
+              <a:ext uri="{FF2B5EF4-FFF2-40B4-BE49-F238E27FC236}">
+                <a16:creationId xmlns:a16="http://schemas.microsoft.com/office/drawing/2014/main" id="{6A61B310-5C80-68EE-107A-F070179CE7D4}"/>
+              </a:ext>
+            </a:extLst>
+          </p:cNvPr>
+          <p:cNvPicPr>
+            <a:picLocks noChangeAspect="1"/>
+          </p:cNvPicPr>
+          <p:nvPr/>
+        </p:nvPicPr>
+        <p:blipFill>
+          <a:blip r:embed="rId3">
+            <a:extLst>
+              <a:ext uri="{28A0092B-C50C-407E-A947-70E740481C1C}">
+                <a14:useLocalDpi xmlns:a14="http://schemas.microsoft.com/office/drawing/2010/main" val="0"/>
+              </a:ext>
+            </a:extLst>
+          </a:blip>
+          <a:stretch>
+            <a:fillRect/>
+          </a:stretch>
+        </p:blipFill>
+        <p:spPr>
+          <a:xfrm>
+            <a:off x="0" y="-72951"/>
+            <a:ext cx="12188825" cy="5454575"/>
+          </a:xfrm>
+          <a:prstGeom prst="rect">
+            <a:avLst/>
+          </a:prstGeom>
+        </p:spPr>
+      </p:pic>
+      <p:sp>
+        <p:nvSpPr>
+          <p:cNvPr id="12" name="TextBox 11">
+            <a:extLst>
+              <a:ext uri="{FF2B5EF4-FFF2-40B4-BE49-F238E27FC236}">
+                <a16:creationId xmlns:a16="http://schemas.microsoft.com/office/drawing/2014/main" id="{2798B907-D0C0-BE42-41EE-7EC3D67914F3}"/>
+              </a:ext>
+            </a:extLst>
+          </p:cNvPr>
+          <p:cNvSpPr txBox="1"/>
+          <p:nvPr/>
+        </p:nvSpPr>
+        <p:spPr>
+          <a:xfrm>
+            <a:off x="721086" y="5734268"/>
+            <a:ext cx="7879989" cy="701731"/>
+          </a:xfrm>
+          <a:prstGeom prst="rect">
+            <a:avLst/>
+          </a:prstGeom>
+          <a:noFill/>
+        </p:spPr>
+        <p:txBody>
+          <a:bodyPr wrap="square" rtlCol="0">
+            <a:spAutoFit/>
+          </a:bodyPr>
+          <a:lstStyle/>
+          <a:p>
+            <a:pPr>
+              <a:lnSpc>
+                <a:spcPct val="90000"/>
+              </a:lnSpc>
+              <a:spcBef>
+                <a:spcPct val="0"/>
+              </a:spcBef>
+            </a:pPr>
+            <a:r>
+              <a:rPr lang="en-CA" sz="4400" spc="-50" dirty="0">
+                <a:solidFill>
+                  <a:schemeClr val="tx1">
+                    <a:lumMod val="75000"/>
+                    <a:lumOff val="25000"/>
+                  </a:schemeClr>
+                </a:solidFill>
+                <a:latin typeface="+mj-lt"/>
+                <a:ea typeface="+mj-ea"/>
+                <a:cs typeface="+mj-cs"/>
+              </a:rPr>
+              <a:t>Validating With Actual Sales Data</a:t>
+            </a:r>
+            <a:endParaRPr lang="en-US" sz="4400" spc="-50" dirty="0">
+              <a:solidFill>
+                <a:schemeClr val="tx1">
+                  <a:lumMod val="75000"/>
+                  <a:lumOff val="25000"/>
+                </a:schemeClr>
+              </a:solidFill>
+              <a:latin typeface="+mj-lt"/>
+              <a:ea typeface="+mj-ea"/>
+              <a:cs typeface="+mj-cs"/>
+            </a:endParaRPr>
+          </a:p>
+        </p:txBody>
       </p:sp>
     </p:spTree>
     <p:extLst>
@@ -14696,7 +15437,7 @@
           </p:nvPr>
         </p:nvPicPr>
         <p:blipFill>
-          <a:blip r:embed="rId2">
+          <a:blip r:embed="rId3">
             <a:extLst>
               <a:ext uri="{28A0092B-C50C-407E-A947-70E740481C1C}">
                 <a14:useLocalDpi xmlns:a14="http://schemas.microsoft.com/office/drawing/2010/main" val="0"/>
@@ -15399,6 +16140,16 @@
               <a:buFont typeface="+mj-lt"/>
               <a:buAutoNum type="arabicPeriod"/>
             </a:pPr>
+            <a:r>
+              <a:rPr lang="en-US" dirty="0"/>
+              <a:t>https://www.scribbr.com/statistics/pearson-correlation-coefficient/</a:t>
+            </a:r>
+          </a:p>
+          <a:p>
+            <a:pPr marL="342900" indent="-342900">
+              <a:buFont typeface="+mj-lt"/>
+              <a:buAutoNum type="arabicPeriod"/>
+            </a:pPr>
             <a:endParaRPr lang="en-US" dirty="0"/>
           </a:p>
         </p:txBody>
@@ -15886,7 +16637,7 @@
           <p:nvPr/>
         </p:nvPicPr>
         <p:blipFill rotWithShape="1">
-          <a:blip r:embed="rId2"/>
+          <a:blip r:embed="rId3"/>
           <a:srcRect l="21289" r="34132" b="-1"/>
           <a:stretch/>
         </p:blipFill>
@@ -16293,7 +17044,7 @@
           <p:nvPr/>
         </p:nvPicPr>
         <p:blipFill>
-          <a:blip r:embed="rId2">
+          <a:blip r:embed="rId3">
             <a:extLst>
               <a:ext uri="{28A0092B-C50C-407E-A947-70E740481C1C}">
                 <a14:useLocalDpi xmlns:a14="http://schemas.microsoft.com/office/drawing/2010/main" val="0"/>
@@ -16331,7 +17082,7 @@
           </p:nvPr>
         </p:nvPicPr>
         <p:blipFill>
-          <a:blip r:embed="rId3">
+          <a:blip r:embed="rId4">
             <a:extLst>
               <a:ext uri="{28A0092B-C50C-407E-A947-70E740481C1C}">
                 <a14:useLocalDpi xmlns:a14="http://schemas.microsoft.com/office/drawing/2010/main" val="0"/>
@@ -16878,7 +17629,7 @@
           </p:nvPr>
         </p:nvPicPr>
         <p:blipFill>
-          <a:blip r:embed="rId2">
+          <a:blip r:embed="rId3">
             <a:extLst>
               <a:ext uri="{28A0092B-C50C-407E-A947-70E740481C1C}">
                 <a14:useLocalDpi xmlns:a14="http://schemas.microsoft.com/office/drawing/2010/main" val="0"/>
@@ -17183,29 +17934,52 @@
         </p:spPr>
         <p:txBody>
           <a:bodyPr vert="horz" lIns="91440" tIns="45720" rIns="91440" bIns="45720" rtlCol="0" anchor="ctr">
-            <a:normAutofit/>
+            <a:normAutofit fontScale="90000"/>
           </a:bodyPr>
           <a:lstStyle/>
           <a:p>
             <a:pPr algn="r"/>
             <a:r>
-              <a:rPr lang="en-US" sz="2300" b="0">
+              <a:rPr lang="en-US" sz="2300" dirty="0">
+                <a:solidFill>
+                  <a:srgbClr val="FFFFFF"/>
+                </a:solidFill>
+              </a:rPr>
+              <a:t>Sales are increasing gradually from 2013 – 2017.</a:t>
+            </a:r>
+            <a:br>
+              <a:rPr lang="en-US" sz="2300" dirty="0">
+                <a:solidFill>
+                  <a:srgbClr val="FFFFFF"/>
+                </a:solidFill>
+              </a:rPr>
+            </a:br>
+            <a:r>
+              <a:rPr lang="en-US" sz="2300" dirty="0">
+                <a:solidFill>
+                  <a:srgbClr val="FFFFFF"/>
+                </a:solidFill>
+              </a:rPr>
+              <a:t>Highest </a:t>
+            </a:r>
+            <a:r>
+              <a:rPr lang="en-US" sz="2300" b="0" dirty="0">
                 <a:solidFill>
                   <a:srgbClr val="FFFFFF"/>
                 </a:solidFill>
                 <a:effectLst/>
               </a:rPr>
-              <a:t>Highest sales are made in December and then decrease in January. Sales are increasing gradually from 2013 - 2017</a:t>
+              <a:t>sales are made in December and then decrease in January. </a:t>
             </a:r>
             <a:br>
-              <a:rPr lang="en-US" sz="2300" b="0">
+              <a:rPr lang="en-US" sz="2300" b="0" dirty="0">
                 <a:solidFill>
                   <a:srgbClr val="FFFFFF"/>
                 </a:solidFill>
                 <a:effectLst/>
               </a:rPr>
             </a:br>
-            <a:endParaRPr lang="en-US" sz="2300">
+            <a:endParaRPr lang="en-US" sz="2300" dirty="0">
               <a:solidFill>
                 <a:srgbClr val="FFFFFF"/>
               </a:solidFill>
@@ -17647,7 +18421,7 @@
           </p:nvPr>
         </p:nvPicPr>
         <p:blipFill rotWithShape="1">
-          <a:blip r:embed="rId2">
+          <a:blip r:embed="rId3">
             <a:extLst>
               <a:ext uri="{28A0092B-C50C-407E-A947-70E740481C1C}">
                 <a14:useLocalDpi xmlns:a14="http://schemas.microsoft.com/office/drawing/2010/main" val="0"/>
@@ -17939,7 +18713,7 @@
             <p:ph idx="1"/>
             <p:extLst>
               <p:ext uri="{D42A27DB-BD31-4B8C-83A1-F6EECF244321}">
-                <p14:modId xmlns:p14="http://schemas.microsoft.com/office/powerpoint/2010/main" val="1298018670"/>
+                <p14:modId xmlns:p14="http://schemas.microsoft.com/office/powerpoint/2010/main" val="851081902"/>
               </p:ext>
             </p:extLst>
           </p:nvPr>
